--- a/02_Praesentation_Interface/Interface_design.pptx
+++ b/02_Praesentation_Interface/Interface_design.pptx
@@ -11,6 +11,7 @@
     <p:sldId id="260" r:id="rId5"/>
     <p:sldId id="261" r:id="rId6"/>
     <p:sldId id="262" r:id="rId7"/>
+    <p:sldId id="263" r:id="rId8"/>
   </p:sldIdLst>
   <p:sldSz cx="12192000" cy="6858000"/>
   <p:notesSz cx="6858000" cy="9144000"/>
@@ -109,6 +110,11 @@
       </a:defRPr>
     </a:lvl9pPr>
   </p:defaultTextStyle>
+  <p:extLst>
+    <p:ext uri="{EFAFB233-063F-42B5-8137-9DF3F51BA10A}">
+      <p15:sldGuideLst xmlns:p15="http://schemas.microsoft.com/office/powerpoint/2012/main"/>
+    </p:ext>
+  </p:extLst>
 </p:presentation>
 </file>
 
@@ -304,7 +310,7 @@
             <a:fld id="{B61BEF0D-F0BB-DE4B-95CE-6DB70DBA9567}" type="datetimeFigureOut">
               <a:rPr lang="en-US" dirty="0"/>
               <a:pPr/>
-              <a:t>10/10/2017</a:t>
+              <a:t>10/11/2017</a:t>
             </a:fld>
             <a:endParaRPr lang="en-US" dirty="0"/>
           </a:p>
@@ -737,7 +743,7 @@
             <a:fld id="{B61BEF0D-F0BB-DE4B-95CE-6DB70DBA9567}" type="datetimeFigureOut">
               <a:rPr lang="en-US" dirty="0"/>
               <a:pPr/>
-              <a:t>10/10/2017</a:t>
+              <a:t>10/11/2017</a:t>
             </a:fld>
             <a:endParaRPr lang="en-US" dirty="0"/>
           </a:p>
@@ -984,7 +990,7 @@
             <a:fld id="{B61BEF0D-F0BB-DE4B-95CE-6DB70DBA9567}" type="datetimeFigureOut">
               <a:rPr lang="en-US" dirty="0"/>
               <a:pPr/>
-              <a:t>10/10/2017</a:t>
+              <a:t>10/11/2017</a:t>
             </a:fld>
             <a:endParaRPr lang="en-US" dirty="0"/>
           </a:p>
@@ -1289,7 +1295,7 @@
             <a:fld id="{B61BEF0D-F0BB-DE4B-95CE-6DB70DBA9567}" type="datetimeFigureOut">
               <a:rPr lang="en-US" dirty="0"/>
               <a:pPr/>
-              <a:t>10/10/2017</a:t>
+              <a:t>10/11/2017</a:t>
             </a:fld>
             <a:endParaRPr lang="en-US" dirty="0"/>
           </a:p>
@@ -1604,7 +1610,7 @@
             <a:fld id="{B61BEF0D-F0BB-DE4B-95CE-6DB70DBA9567}" type="datetimeFigureOut">
               <a:rPr lang="en-US" dirty="0"/>
               <a:pPr/>
-              <a:t>10/10/2017</a:t>
+              <a:t>10/11/2017</a:t>
             </a:fld>
             <a:endParaRPr lang="en-US" dirty="0"/>
           </a:p>
@@ -1903,7 +1909,7 @@
             <a:fld id="{B61BEF0D-F0BB-DE4B-95CE-6DB70DBA9567}" type="datetimeFigureOut">
               <a:rPr lang="en-US" dirty="0"/>
               <a:pPr/>
-              <a:t>10/10/2017</a:t>
+              <a:t>10/11/2017</a:t>
             </a:fld>
             <a:endParaRPr lang="en-US" dirty="0"/>
           </a:p>
@@ -2267,7 +2273,7 @@
             <a:fld id="{B61BEF0D-F0BB-DE4B-95CE-6DB70DBA9567}" type="datetimeFigureOut">
               <a:rPr lang="en-US" dirty="0"/>
               <a:pPr/>
-              <a:t>10/10/2017</a:t>
+              <a:t>10/11/2017</a:t>
             </a:fld>
             <a:endParaRPr lang="en-US" dirty="0"/>
           </a:p>
@@ -2438,7 +2444,7 @@
             <a:fld id="{B61BEF0D-F0BB-DE4B-95CE-6DB70DBA9567}" type="datetimeFigureOut">
               <a:rPr lang="en-US" dirty="0"/>
               <a:pPr/>
-              <a:t>10/10/2017</a:t>
+              <a:t>10/11/2017</a:t>
             </a:fld>
             <a:endParaRPr lang="en-US" dirty="0"/>
           </a:p>
@@ -2615,7 +2621,7 @@
             <a:fld id="{B61BEF0D-F0BB-DE4B-95CE-6DB70DBA9567}" type="datetimeFigureOut">
               <a:rPr lang="en-US" dirty="0"/>
               <a:pPr/>
-              <a:t>10/10/2017</a:t>
+              <a:t>10/11/2017</a:t>
             </a:fld>
             <a:endParaRPr lang="en-US" dirty="0"/>
           </a:p>
@@ -2782,7 +2788,7 @@
             <a:fld id="{B61BEF0D-F0BB-DE4B-95CE-6DB70DBA9567}" type="datetimeFigureOut">
               <a:rPr lang="en-US" dirty="0"/>
               <a:pPr/>
-              <a:t>10/10/2017</a:t>
+              <a:t>10/11/2017</a:t>
             </a:fld>
             <a:endParaRPr lang="en-US" dirty="0"/>
           </a:p>
@@ -3029,7 +3035,7 @@
             <a:fld id="{B61BEF0D-F0BB-DE4B-95CE-6DB70DBA9567}" type="datetimeFigureOut">
               <a:rPr lang="en-US" dirty="0"/>
               <a:pPr/>
-              <a:t>10/10/2017</a:t>
+              <a:t>10/11/2017</a:t>
             </a:fld>
             <a:endParaRPr lang="en-US" dirty="0"/>
           </a:p>
@@ -3262,7 +3268,7 @@
             <a:fld id="{B61BEF0D-F0BB-DE4B-95CE-6DB70DBA9567}" type="datetimeFigureOut">
               <a:rPr lang="en-US" dirty="0"/>
               <a:pPr/>
-              <a:t>10/10/2017</a:t>
+              <a:t>10/11/2017</a:t>
             </a:fld>
             <a:endParaRPr lang="en-US" dirty="0"/>
           </a:p>
@@ -3641,7 +3647,7 @@
             <a:fld id="{B61BEF0D-F0BB-DE4B-95CE-6DB70DBA9567}" type="datetimeFigureOut">
               <a:rPr lang="en-US" dirty="0"/>
               <a:pPr/>
-              <a:t>10/10/2017</a:t>
+              <a:t>10/11/2017</a:t>
             </a:fld>
             <a:endParaRPr lang="en-US" dirty="0"/>
           </a:p>
@@ -3756,7 +3762,7 @@
             <a:fld id="{B61BEF0D-F0BB-DE4B-95CE-6DB70DBA9567}" type="datetimeFigureOut">
               <a:rPr lang="en-US" dirty="0"/>
               <a:pPr/>
-              <a:t>10/10/2017</a:t>
+              <a:t>10/11/2017</a:t>
             </a:fld>
             <a:endParaRPr lang="en-US" dirty="0"/>
           </a:p>
@@ -3848,7 +3854,7 @@
             <a:fld id="{B61BEF0D-F0BB-DE4B-95CE-6DB70DBA9567}" type="datetimeFigureOut">
               <a:rPr lang="en-US" dirty="0"/>
               <a:pPr/>
-              <a:t>10/10/2017</a:t>
+              <a:t>10/11/2017</a:t>
             </a:fld>
             <a:endParaRPr lang="en-US" dirty="0"/>
           </a:p>
@@ -4100,7 +4106,7 @@
             <a:fld id="{B61BEF0D-F0BB-DE4B-95CE-6DB70DBA9567}" type="datetimeFigureOut">
               <a:rPr lang="en-US" dirty="0"/>
               <a:pPr/>
-              <a:t>10/10/2017</a:t>
+              <a:t>10/11/2017</a:t>
             </a:fld>
             <a:endParaRPr lang="en-US" dirty="0"/>
           </a:p>
@@ -4380,7 +4386,7 @@
             <a:fld id="{B61BEF0D-F0BB-DE4B-95CE-6DB70DBA9567}" type="datetimeFigureOut">
               <a:rPr lang="en-US" dirty="0"/>
               <a:pPr/>
-              <a:t>10/10/2017</a:t>
+              <a:t>10/11/2017</a:t>
             </a:fld>
             <a:endParaRPr lang="en-US" dirty="0"/>
           </a:p>
@@ -4783,7 +4789,7 @@
             <a:fld id="{B61BEF0D-F0BB-DE4B-95CE-6DB70DBA9567}" type="datetimeFigureOut">
               <a:rPr lang="en-US" dirty="0"/>
               <a:pPr/>
-              <a:t>10/10/2017</a:t>
+              <a:t>10/11/2017</a:t>
             </a:fld>
             <a:endParaRPr lang="en-US" dirty="0"/>
           </a:p>
@@ -6219,6 +6225,66 @@
 </p:sld>
 </file>
 
+<file path=ppt/slides/slide7.xml><?xml version="1.0" encoding="utf-8"?>
+<p:sld xmlns:a="http://schemas.openxmlformats.org/drawingml/2006/main" xmlns:r="http://schemas.openxmlformats.org/officeDocument/2006/relationships" xmlns:p="http://schemas.openxmlformats.org/presentationml/2006/main">
+  <p:cSld>
+    <p:spTree>
+      <p:nvGrpSpPr>
+        <p:cNvPr id="1" name=""/>
+        <p:cNvGrpSpPr/>
+        <p:nvPr/>
+      </p:nvGrpSpPr>
+      <p:grpSpPr>
+        <a:xfrm>
+          <a:off x="0" y="0"/>
+          <a:ext cx="0" cy="0"/>
+          <a:chOff x="0" y="0"/>
+          <a:chExt cx="0" cy="0"/>
+        </a:xfrm>
+      </p:grpSpPr>
+      <p:sp>
+        <p:nvSpPr>
+          <p:cNvPr id="2" name="Titel 1"/>
+          <p:cNvSpPr>
+            <a:spLocks noGrp="1"/>
+          </p:cNvSpPr>
+          <p:nvPr>
+            <p:ph type="title"/>
+          </p:nvPr>
+        </p:nvSpPr>
+        <p:spPr>
+          <a:xfrm>
+            <a:off x="1979612" y="2417232"/>
+            <a:ext cx="8534400" cy="1507067"/>
+          </a:xfrm>
+        </p:spPr>
+        <p:txBody>
+          <a:bodyPr>
+            <a:normAutofit fontScale="90000"/>
+          </a:bodyPr>
+          <a:lstStyle/>
+          <a:p>
+            <a:r>
+              <a:rPr lang="de-DE" sz="6700" dirty="0" smtClean="0"/>
+              <a:t>Danke für eure Aufmerksamkeit!!!</a:t>
+            </a:r>
+            <a:endParaRPr lang="de-DE" dirty="0"/>
+          </a:p>
+        </p:txBody>
+      </p:sp>
+    </p:spTree>
+    <p:extLst>
+      <p:ext uri="{BB962C8B-B14F-4D97-AF65-F5344CB8AC3E}">
+        <p14:creationId xmlns:p14="http://schemas.microsoft.com/office/powerpoint/2010/main" val="3801605867"/>
+      </p:ext>
+    </p:extLst>
+  </p:cSld>
+  <p:clrMapOvr>
+    <a:masterClrMapping/>
+  </p:clrMapOvr>
+</p:sld>
+</file>
+
 <file path=ppt/theme/theme1.xml><?xml version="1.0" encoding="utf-8"?>
 <a:theme xmlns:a="http://schemas.openxmlformats.org/drawingml/2006/main" name="Segment">
   <a:themeElements>
